--- a/slides/s3-using-dropdownbutton-slides/s3-using-dropdownbutton.pptx
+++ b/slides/s3-using-dropdownbutton-slides/s3-using-dropdownbutton.pptx
@@ -5,7 +5,7 @@
     <p:sldMasterId id="2147483761" r:id="rId1"/>
   </p:sldMasterIdLst>
   <p:sldIdLst>
-    <p:sldId id="277" r:id="rId2"/>
+    <p:sldId id="278" r:id="rId2"/>
     <p:sldId id="286" r:id="rId3"/>
     <p:sldId id="287" r:id="rId4"/>
     <p:sldId id="290" r:id="rId5"/>
@@ -112,7 +112,7 @@
       <p14:sectionLst xmlns:p14="http://schemas.microsoft.com/office/powerpoint/2010/main">
         <p14:section name="slides" id="{3E635A3F-8DDB-3C41-B1DF-5AF722130251}">
           <p14:sldIdLst>
-            <p14:sldId id="277"/>
+            <p14:sldId id="278"/>
             <p14:sldId id="286"/>
             <p14:sldId id="287"/>
             <p14:sldId id="290"/>
@@ -5358,7 +5358,7 @@
           <p:cNvPr id="2" name="Title 1">
             <a:extLst>
               <a:ext uri="{FF2B5EF4-FFF2-40B4-BE49-F238E27FC236}">
-                <a16:creationId xmlns:a16="http://schemas.microsoft.com/office/drawing/2014/main" id="{8F31B946-073B-A3ED-A374-7E76A3F02381}"/>
+                <a16:creationId xmlns:a16="http://schemas.microsoft.com/office/drawing/2014/main" id="{E344B405-0A72-9C31-BC7A-091BFB79C076}"/>
               </a:ext>
             </a:extLst>
           </p:cNvPr>
@@ -5376,15 +5376,355 @@
           <a:p>
             <a:r>
               <a:rPr lang="en-US" dirty="0"/>
-              <a:t>Using DropdownButton Widgets</a:t>
+              <a:t>Using </a:t>
+            </a:r>
+            <a:r>
+              <a:rPr lang="en-US" dirty="0" err="1"/>
+              <a:t>DropdownButton</a:t>
+            </a:r>
+            <a:r>
+              <a:rPr lang="en-US" dirty="0"/>
+              <a:t> Widgets</a:t>
             </a:r>
           </a:p>
         </p:txBody>
       </p:sp>
+      <p:sp>
+        <p:nvSpPr>
+          <p:cNvPr id="3" name="TextBox 2">
+            <a:extLst>
+              <a:ext uri="{FF2B5EF4-FFF2-40B4-BE49-F238E27FC236}">
+                <a16:creationId xmlns:a16="http://schemas.microsoft.com/office/drawing/2014/main" id="{03393550-6918-4EAD-A8BA-FE9809C5C320}"/>
+              </a:ext>
+            </a:extLst>
+          </p:cNvPr>
+          <p:cNvSpPr txBox="1"/>
+          <p:nvPr/>
+        </p:nvSpPr>
+        <p:spPr>
+          <a:xfrm>
+            <a:off x="-160638" y="407773"/>
+            <a:ext cx="0" cy="0"/>
+          </a:xfrm>
+          <a:prstGeom prst="rect">
+            <a:avLst/>
+          </a:prstGeom>
+        </p:spPr>
+        <p:txBody>
+          <a:bodyPr vert="horz" wrap="none" lIns="0" tIns="32970" rIns="65939" bIns="32970" rtlCol="0" anchor="b" anchorCtr="0">
+            <a:noAutofit/>
+          </a:bodyPr>
+          <a:lstStyle/>
+          <a:p>
+            <a:pPr marL="0" marR="0" indent="0" algn="l" defTabSz="439502" rtl="0" eaLnBrk="1" fontAlgn="auto" latinLnBrk="0" hangingPunct="1">
+              <a:lnSpc>
+                <a:spcPct val="85000"/>
+              </a:lnSpc>
+              <a:spcBef>
+                <a:spcPct val="0"/>
+              </a:spcBef>
+              <a:spcAft>
+                <a:spcPts val="0"/>
+              </a:spcAft>
+              <a:buClrTx/>
+              <a:buSzTx/>
+              <a:buFontTx/>
+              <a:buNone/>
+              <a:tabLst/>
+            </a:pPr>
+            <a:endParaRPr kumimoji="0" lang="en-US" sz="3525" b="0" i="0" u="none" strike="noStrike" kern="1200" cap="none" spc="0" normalizeH="0" baseline="0" noProof="0" dirty="0">
+              <a:ln>
+                <a:noFill/>
+              </a:ln>
+              <a:solidFill>
+                <a:srgbClr val="E5E5E5">
+                  <a:lumMod val="10000"/>
+                </a:srgbClr>
+              </a:solidFill>
+              <a:effectLst/>
+              <a:uLnTx/>
+              <a:uFillTx/>
+              <a:latin typeface="PS TT Commons" charset="0"/>
+              <a:ea typeface="PS TT Commons" charset="0"/>
+              <a:cs typeface="PS TT Commons" charset="0"/>
+            </a:endParaRPr>
+          </a:p>
+        </p:txBody>
+      </p:sp>
+      <p:sp>
+        <p:nvSpPr>
+          <p:cNvPr id="4" name="Titel 1">
+            <a:extLst>
+              <a:ext uri="{FF2B5EF4-FFF2-40B4-BE49-F238E27FC236}">
+                <a16:creationId xmlns:a16="http://schemas.microsoft.com/office/drawing/2014/main" id="{DB14C25E-37EC-C824-6E57-3BEBCC7D0D78}"/>
+              </a:ext>
+            </a:extLst>
+          </p:cNvPr>
+          <p:cNvSpPr txBox="1">
+            <a:spLocks/>
+          </p:cNvSpPr>
+          <p:nvPr/>
+        </p:nvSpPr>
+        <p:spPr>
+          <a:xfrm rot="10800000" flipV="1">
+            <a:off x="3461079" y="7924052"/>
+            <a:ext cx="5549597" cy="470251"/>
+          </a:xfrm>
+          <a:prstGeom prst="rect">
+            <a:avLst/>
+          </a:prstGeom>
+        </p:spPr>
+        <p:txBody>
+          <a:bodyPr vert="horz" lIns="91440" tIns="45720" rIns="91440" bIns="45720" rtlCol="0" anchor="ctr">
+            <a:noAutofit/>
+          </a:bodyPr>
+          <a:lstStyle>
+            <a:lvl1pPr algn="l" defTabSz="914400" rtl="0" eaLnBrk="1" latinLnBrk="0" hangingPunct="1">
+              <a:lnSpc>
+                <a:spcPct val="90000"/>
+              </a:lnSpc>
+              <a:spcBef>
+                <a:spcPct val="0"/>
+              </a:spcBef>
+              <a:buNone/>
+              <a:defRPr sz="3600" b="1" i="0" kern="1200">
+                <a:solidFill>
+                  <a:srgbClr val="000CEB"/>
+                </a:solidFill>
+                <a:latin typeface="Montserrat" pitchFamily="2" charset="77"/>
+                <a:ea typeface="+mj-ea"/>
+                <a:cs typeface="+mj-cs"/>
+              </a:defRPr>
+            </a:lvl1pPr>
+          </a:lstStyle>
+          <a:p>
+            <a:r>
+              <a:rPr lang="it-IT" b="0" dirty="0">
+                <a:solidFill>
+                  <a:schemeClr val="bg1"/>
+                </a:solidFill>
+                <a:latin typeface="Montserrat Medium" pitchFamily="2" charset="77"/>
+              </a:rPr>
+              <a:t>Simone Alessandria</a:t>
+            </a:r>
+            <a:endParaRPr lang="de-US" b="0" dirty="0">
+              <a:solidFill>
+                <a:schemeClr val="bg1"/>
+              </a:solidFill>
+              <a:latin typeface="Montserrat Medium" pitchFamily="2" charset="77"/>
+            </a:endParaRPr>
+          </a:p>
+        </p:txBody>
+      </p:sp>
+      <p:sp>
+        <p:nvSpPr>
+          <p:cNvPr id="6" name="Titel 1">
+            <a:extLst>
+              <a:ext uri="{FF2B5EF4-FFF2-40B4-BE49-F238E27FC236}">
+                <a16:creationId xmlns:a16="http://schemas.microsoft.com/office/drawing/2014/main" id="{54626EF7-DCEE-EBDA-6F4A-094BBF465A96}"/>
+              </a:ext>
+            </a:extLst>
+          </p:cNvPr>
+          <p:cNvSpPr txBox="1">
+            <a:spLocks/>
+          </p:cNvSpPr>
+          <p:nvPr/>
+        </p:nvSpPr>
+        <p:spPr>
+          <a:xfrm>
+            <a:off x="3954487" y="8708942"/>
+            <a:ext cx="11244083" cy="310841"/>
+          </a:xfrm>
+          <a:prstGeom prst="rect">
+            <a:avLst/>
+          </a:prstGeom>
+        </p:spPr>
+        <p:txBody>
+          <a:bodyPr vert="horz" lIns="91440" tIns="45720" rIns="91440" bIns="45720" rtlCol="0" anchor="ctr">
+            <a:noAutofit/>
+          </a:bodyPr>
+          <a:lstStyle>
+            <a:lvl1pPr algn="l" defTabSz="914400" rtl="0" eaLnBrk="1" latinLnBrk="0" hangingPunct="1">
+              <a:lnSpc>
+                <a:spcPct val="90000"/>
+              </a:lnSpc>
+              <a:spcBef>
+                <a:spcPct val="0"/>
+              </a:spcBef>
+              <a:buNone/>
+              <a:defRPr sz="3600" b="1" i="0" kern="1200">
+                <a:solidFill>
+                  <a:srgbClr val="000CEB"/>
+                </a:solidFill>
+                <a:latin typeface="Montserrat" pitchFamily="2" charset="77"/>
+                <a:ea typeface="+mj-ea"/>
+                <a:cs typeface="+mj-cs"/>
+              </a:defRPr>
+            </a:lvl1pPr>
+          </a:lstStyle>
+          <a:p>
+            <a:r>
+              <a:rPr lang="de-DE" sz="2400" b="0" dirty="0">
+                <a:solidFill>
+                  <a:schemeClr val="bg1"/>
+                </a:solidFill>
+                <a:latin typeface="Montserrat Light" pitchFamily="2" charset="77"/>
+              </a:rPr>
+              <a:t>linkedin.com/in/simone-alessandria</a:t>
+            </a:r>
+          </a:p>
+        </p:txBody>
+      </p:sp>
+      <p:pic>
+        <p:nvPicPr>
+          <p:cNvPr id="9" name="Grafik 5">
+            <a:extLst>
+              <a:ext uri="{FF2B5EF4-FFF2-40B4-BE49-F238E27FC236}">
+                <a16:creationId xmlns:a16="http://schemas.microsoft.com/office/drawing/2014/main" id="{B3779305-918D-48AC-5BA6-F3081374651F}"/>
+              </a:ext>
+            </a:extLst>
+          </p:cNvPr>
+          <p:cNvPicPr>
+            <a:picLocks noChangeAspect="1"/>
+          </p:cNvPicPr>
+          <p:nvPr/>
+        </p:nvPicPr>
+        <p:blipFill>
+          <a:blip r:embed="rId2"/>
+          <a:stretch>
+            <a:fillRect/>
+          </a:stretch>
+        </p:blipFill>
+        <p:spPr>
+          <a:xfrm>
+            <a:off x="3621170" y="8730553"/>
+            <a:ext cx="242911" cy="242435"/>
+          </a:xfrm>
+          <a:prstGeom prst="rect">
+            <a:avLst/>
+          </a:prstGeom>
+        </p:spPr>
+      </p:pic>
+      <p:sp>
+        <p:nvSpPr>
+          <p:cNvPr id="10" name="TextBox 9">
+            <a:extLst>
+              <a:ext uri="{FF2B5EF4-FFF2-40B4-BE49-F238E27FC236}">
+                <a16:creationId xmlns:a16="http://schemas.microsoft.com/office/drawing/2014/main" id="{BB37A1E1-E8E2-CAAE-AA75-F5F6DEE34119}"/>
+              </a:ext>
+            </a:extLst>
+          </p:cNvPr>
+          <p:cNvSpPr txBox="1"/>
+          <p:nvPr/>
+        </p:nvSpPr>
+        <p:spPr>
+          <a:xfrm>
+            <a:off x="5969479" y="-810883"/>
+            <a:ext cx="0" cy="0"/>
+          </a:xfrm>
+          <a:prstGeom prst="rect">
+            <a:avLst/>
+          </a:prstGeom>
+        </p:spPr>
+        <p:txBody>
+          <a:bodyPr vert="horz" wrap="none" lIns="0" tIns="32970" rIns="65939" bIns="32970" rtlCol="0" anchor="b" anchorCtr="0">
+            <a:noAutofit/>
+          </a:bodyPr>
+          <a:lstStyle/>
+          <a:p>
+            <a:pPr marL="0" marR="0" indent="0" algn="l" defTabSz="439502" rtl="0" eaLnBrk="1" fontAlgn="auto" latinLnBrk="0" hangingPunct="1">
+              <a:lnSpc>
+                <a:spcPct val="85000"/>
+              </a:lnSpc>
+              <a:spcBef>
+                <a:spcPct val="0"/>
+              </a:spcBef>
+              <a:spcAft>
+                <a:spcPts val="0"/>
+              </a:spcAft>
+              <a:buClrTx/>
+              <a:buSzTx/>
+              <a:buFontTx/>
+              <a:buNone/>
+              <a:tabLst/>
+            </a:pPr>
+            <a:endParaRPr kumimoji="0" lang="en-US" sz="3525" b="0" i="0" u="none" strike="noStrike" kern="1200" cap="none" spc="0" normalizeH="0" baseline="0" noProof="0" dirty="0">
+              <a:ln>
+                <a:noFill/>
+              </a:ln>
+              <a:solidFill>
+                <a:srgbClr val="E5E5E5">
+                  <a:lumMod val="10000"/>
+                </a:srgbClr>
+              </a:solidFill>
+              <a:effectLst/>
+              <a:uLnTx/>
+              <a:uFillTx/>
+              <a:latin typeface="PS TT Commons" charset="0"/>
+              <a:ea typeface="PS TT Commons" charset="0"/>
+              <a:cs typeface="PS TT Commons" charset="0"/>
+            </a:endParaRPr>
+          </a:p>
+        </p:txBody>
+      </p:sp>
+      <p:pic>
+        <p:nvPicPr>
+          <p:cNvPr id="12" name="Picture 11">
+            <a:extLst>
+              <a:ext uri="{FF2B5EF4-FFF2-40B4-BE49-F238E27FC236}">
+                <a16:creationId xmlns:a16="http://schemas.microsoft.com/office/drawing/2014/main" id="{3694F35E-B441-3E99-3742-507450BD4600}"/>
+              </a:ext>
+            </a:extLst>
+          </p:cNvPr>
+          <p:cNvPicPr>
+            <a:picLocks noChangeAspect="1"/>
+          </p:cNvPicPr>
+          <p:nvPr/>
+        </p:nvPicPr>
+        <p:blipFill>
+          <a:blip r:embed="rId3"/>
+          <a:stretch>
+            <a:fillRect/>
+          </a:stretch>
+        </p:blipFill>
+        <p:spPr>
+          <a:xfrm>
+            <a:off x="720000" y="7356320"/>
+            <a:ext cx="2355338" cy="2355338"/>
+          </a:xfrm>
+          <a:prstGeom prst="ellipse">
+            <a:avLst/>
+          </a:prstGeom>
+          <a:ln w="25400" cap="rnd">
+            <a:solidFill>
+              <a:schemeClr val="bg1"/>
+            </a:solidFill>
+          </a:ln>
+          <a:effectLst>
+            <a:outerShdw blurRad="381000" dist="292100" dir="5400000" sx="-80000" sy="-18000" rotWithShape="0">
+              <a:srgbClr val="000000">
+                <a:alpha val="22000"/>
+              </a:srgbClr>
+            </a:outerShdw>
+          </a:effectLst>
+          <a:scene3d>
+            <a:camera prst="orthographicFront"/>
+            <a:lightRig rig="contrasting" dir="t">
+              <a:rot lat="0" lon="0" rev="3000000"/>
+            </a:lightRig>
+          </a:scene3d>
+          <a:sp3d contourW="7620">
+            <a:bevelT w="95250" h="31750"/>
+            <a:contourClr>
+              <a:srgbClr val="333333"/>
+            </a:contourClr>
+          </a:sp3d>
+        </p:spPr>
+      </p:pic>
     </p:spTree>
     <p:extLst>
       <p:ext uri="{BB962C8B-B14F-4D97-AF65-F5344CB8AC3E}">
-        <p14:creationId xmlns:p14="http://schemas.microsoft.com/office/powerpoint/2010/main" val="2842203058"/>
+        <p14:creationId xmlns:p14="http://schemas.microsoft.com/office/powerpoint/2010/main" val="4105199941"/>
       </p:ext>
     </p:extLst>
   </p:cSld>
@@ -5468,19 +5808,16 @@
               <a:rPr lang="en-US" dirty="0"/>
               <a:t>List</a:t>
             </a:r>
-            <a:br>
+          </a:p>
+          <a:p>
+            <a:r>
               <a:rPr lang="en-US" dirty="0"/>
-            </a:br>
-            <a:endParaRPr lang="en-US" dirty="0"/>
-          </a:p>
-          <a:p>
-            <a:r>
-              <a:rPr lang="en-US" dirty="0"/>
-              <a:t>DropdownButton and DropdownMenuItem</a:t>
-            </a:r>
-            <a:br>
-              <a:rPr lang="en-US" dirty="0"/>
-            </a:br>
+              <a:t>DropdownButton and </a:t>
+            </a:r>
+            <a:r>
+              <a:rPr lang="en-US" dirty="0" err="1"/>
+              <a:t>DropdownMenuItem</a:t>
+            </a:r>
             <a:endParaRPr lang="en-US" dirty="0"/>
           </a:p>
           <a:p>
@@ -5500,21 +5837,16 @@
               <a:rPr lang="en-US" dirty="0"/>
               <a:t>method</a:t>
             </a:r>
-            <a:br>
+          </a:p>
+          <a:p>
+            <a:r>
               <a:rPr lang="en-US" dirty="0"/>
-            </a:br>
-            <a:endParaRPr lang="en-US" dirty="0"/>
-          </a:p>
-          <a:p>
-            <a:r>
-              <a:rPr lang="en-US" dirty="0"/>
-              <a:t>String interpolation </a:t>
-            </a:r>
-          </a:p>
-          <a:p>
-            <a:pPr marL="0" indent="0">
-              <a:buNone/>
-            </a:pPr>
+              <a:t>String </a:t>
+            </a:r>
+            <a:r>
+              <a:rPr lang="en-US"/>
+              <a:t>interpolation </a:t>
+            </a:r>
             <a:br>
               <a:rPr lang="en-US" dirty="0"/>
             </a:br>
@@ -5774,67 +6106,6 @@
                                           <p:spTgt spid="3">
                                             <p:txEl>
                                               <p:pRg st="3" end="3"/>
-                                            </p:txEl>
-                                          </p:spTgt>
-                                        </p:tgtEl>
-                                      </p:cBhvr>
-                                    </p:animEffect>
-                                  </p:childTnLst>
-                                </p:cTn>
-                              </p:par>
-                            </p:childTnLst>
-                          </p:cTn>
-                        </p:par>
-                      </p:childTnLst>
-                    </p:cTn>
-                  </p:par>
-                  <p:par>
-                    <p:cTn id="23" fill="hold">
-                      <p:stCondLst>
-                        <p:cond delay="indefinite"/>
-                      </p:stCondLst>
-                      <p:childTnLst>
-                        <p:par>
-                          <p:cTn id="24" fill="hold">
-                            <p:stCondLst>
-                              <p:cond delay="0"/>
-                            </p:stCondLst>
-                            <p:childTnLst>
-                              <p:par>
-                                <p:cTn id="25" presetID="10" presetClass="entr" presetSubtype="0" fill="hold" nodeType="clickEffect">
-                                  <p:stCondLst>
-                                    <p:cond delay="0"/>
-                                  </p:stCondLst>
-                                  <p:childTnLst>
-                                    <p:set>
-                                      <p:cBhvr>
-                                        <p:cTn id="26" dur="1" fill="hold">
-                                          <p:stCondLst>
-                                            <p:cond delay="0"/>
-                                          </p:stCondLst>
-                                        </p:cTn>
-                                        <p:tgtEl>
-                                          <p:spTgt spid="3">
-                                            <p:txEl>
-                                              <p:pRg st="4" end="4"/>
-                                            </p:txEl>
-                                          </p:spTgt>
-                                        </p:tgtEl>
-                                        <p:attrNameLst>
-                                          <p:attrName>style.visibility</p:attrName>
-                                        </p:attrNameLst>
-                                      </p:cBhvr>
-                                      <p:to>
-                                        <p:strVal val="visible"/>
-                                      </p:to>
-                                    </p:set>
-                                    <p:animEffect transition="in" filter="fade">
-                                      <p:cBhvr>
-                                        <p:cTn id="27" dur="500"/>
-                                        <p:tgtEl>
-                                          <p:spTgt spid="3">
-                                            <p:txEl>
-                                              <p:pRg st="4" end="4"/>
                                             </p:txEl>
                                           </p:spTgt>
                                         </p:tgtEl>
